--- a/documents/大坂_ヘルプ画面.pptx
+++ b/documents/大坂_ヘルプ画面.pptx
@@ -5,11 +5,12 @@
     <p:sldMasterId id="2147483648" r:id="rId1"/>
   </p:sldMasterIdLst>
   <p:notesMasterIdLst>
-    <p:notesMasterId r:id="rId4"/>
+    <p:notesMasterId r:id="rId5"/>
   </p:notesMasterIdLst>
   <p:sldIdLst>
-    <p:sldId id="257" r:id="rId2"/>
-    <p:sldId id="258" r:id="rId3"/>
+    <p:sldId id="259" r:id="rId2"/>
+    <p:sldId id="257" r:id="rId3"/>
+    <p:sldId id="258" r:id="rId4"/>
   </p:sldIdLst>
   <p:sldSz cx="12192000" cy="6858000"/>
   <p:notesSz cx="6858000" cy="9144000"/>
@@ -571,7 +572,7 @@
     </p:spTree>
     <p:extLst>
       <p:ext uri="{BB962C8B-B14F-4D97-AF65-F5344CB8AC3E}">
-        <p14:creationId xmlns:p14="http://schemas.microsoft.com/office/powerpoint/2010/main" val="2661489303"/>
+        <p14:creationId xmlns:p14="http://schemas.microsoft.com/office/powerpoint/2010/main" val="4050094197"/>
       </p:ext>
     </p:extLst>
   </p:cSld>
@@ -630,7 +631,7 @@
           <a:bodyPr/>
           <a:lstStyle/>
           <a:p>
-            <a:endParaRPr kumimoji="1" lang="ja-JP" altLang="en-US"/>
+            <a:endParaRPr kumimoji="1" lang="ja-JP" altLang="en-US" dirty="0"/>
           </a:p>
         </p:txBody>
       </p:sp>
@@ -652,6 +653,95 @@
             <a:fld id="{080EB0C1-8247-4AB2-8F67-F2A8DA07FCCB}" type="slidenum">
               <a:rPr kumimoji="1" lang="ja-JP" altLang="en-US" smtClean="0"/>
               <a:t>2</a:t>
+            </a:fld>
+            <a:endParaRPr kumimoji="1" lang="ja-JP" altLang="en-US"/>
+          </a:p>
+        </p:txBody>
+      </p:sp>
+    </p:spTree>
+    <p:extLst>
+      <p:ext uri="{BB962C8B-B14F-4D97-AF65-F5344CB8AC3E}">
+        <p14:creationId xmlns:p14="http://schemas.microsoft.com/office/powerpoint/2010/main" val="2661489303"/>
+      </p:ext>
+    </p:extLst>
+  </p:cSld>
+  <p:clrMapOvr>
+    <a:masterClrMapping/>
+  </p:clrMapOvr>
+</p:notes>
+</file>
+
+<file path=ppt/notesSlides/notesSlide3.xml><?xml version="1.0" encoding="utf-8"?>
+<p:notes xmlns:a="http://schemas.openxmlformats.org/drawingml/2006/main" xmlns:r="http://schemas.openxmlformats.org/officeDocument/2006/relationships" xmlns:p="http://schemas.openxmlformats.org/presentationml/2006/main">
+  <p:cSld>
+    <p:spTree>
+      <p:nvGrpSpPr>
+        <p:cNvPr id="1" name=""/>
+        <p:cNvGrpSpPr/>
+        <p:nvPr/>
+      </p:nvGrpSpPr>
+      <p:grpSpPr>
+        <a:xfrm>
+          <a:off x="0" y="0"/>
+          <a:ext cx="0" cy="0"/>
+          <a:chOff x="0" y="0"/>
+          <a:chExt cx="0" cy="0"/>
+        </a:xfrm>
+      </p:grpSpPr>
+      <p:sp>
+        <p:nvSpPr>
+          <p:cNvPr id="2" name="スライド イメージ プレースホルダー 1"/>
+          <p:cNvSpPr>
+            <a:spLocks noGrp="1" noRot="1" noChangeAspect="1"/>
+          </p:cNvSpPr>
+          <p:nvPr>
+            <p:ph type="sldImg"/>
+          </p:nvPr>
+        </p:nvSpPr>
+        <p:spPr>
+          <a:xfrm>
+            <a:off x="685800" y="1143000"/>
+            <a:ext cx="5486400" cy="3086100"/>
+          </a:xfrm>
+        </p:spPr>
+      </p:sp>
+      <p:sp>
+        <p:nvSpPr>
+          <p:cNvPr id="3" name="ノート プレースホルダー 2"/>
+          <p:cNvSpPr>
+            <a:spLocks noGrp="1"/>
+          </p:cNvSpPr>
+          <p:nvPr>
+            <p:ph type="body" idx="1"/>
+          </p:nvPr>
+        </p:nvSpPr>
+        <p:spPr/>
+        <p:txBody>
+          <a:bodyPr/>
+          <a:lstStyle/>
+          <a:p>
+            <a:endParaRPr kumimoji="1" lang="ja-JP" altLang="en-US"/>
+          </a:p>
+        </p:txBody>
+      </p:sp>
+      <p:sp>
+        <p:nvSpPr>
+          <p:cNvPr id="4" name="スライド番号プレースホルダー 3"/>
+          <p:cNvSpPr>
+            <a:spLocks noGrp="1"/>
+          </p:cNvSpPr>
+          <p:nvPr>
+            <p:ph type="sldNum" sz="quarter" idx="5"/>
+          </p:nvPr>
+        </p:nvSpPr>
+        <p:spPr/>
+        <p:txBody>
+          <a:bodyPr/>
+          <a:lstStyle/>
+          <a:p>
+            <a:fld id="{080EB0C1-8247-4AB2-8F67-F2A8DA07FCCB}" type="slidenum">
+              <a:rPr kumimoji="1" lang="ja-JP" altLang="en-US" smtClean="0"/>
+              <a:t>3</a:t>
             </a:fld>
             <a:endParaRPr kumimoji="1" lang="ja-JP" altLang="en-US"/>
           </a:p>
@@ -5640,6 +5730,1501 @@
     </p:spTree>
     <p:extLst>
       <p:ext uri="{BB962C8B-B14F-4D97-AF65-F5344CB8AC3E}">
+        <p14:creationId xmlns:p14="http://schemas.microsoft.com/office/powerpoint/2010/main" val="661708146"/>
+      </p:ext>
+    </p:extLst>
+  </p:cSld>
+  <p:clrMapOvr>
+    <a:masterClrMapping/>
+  </p:clrMapOvr>
+</p:sld>
+</file>
+
+<file path=ppt/slides/slide2.xml><?xml version="1.0" encoding="utf-8"?>
+<p:sld xmlns:a="http://schemas.openxmlformats.org/drawingml/2006/main" xmlns:r="http://schemas.openxmlformats.org/officeDocument/2006/relationships" xmlns:p="http://schemas.openxmlformats.org/presentationml/2006/main">
+  <p:cSld>
+    <p:spTree>
+      <p:nvGrpSpPr>
+        <p:cNvPr id="1" name=""/>
+        <p:cNvGrpSpPr/>
+        <p:nvPr/>
+      </p:nvGrpSpPr>
+      <p:grpSpPr>
+        <a:xfrm>
+          <a:off x="0" y="0"/>
+          <a:ext cx="0" cy="0"/>
+          <a:chOff x="0" y="0"/>
+          <a:chExt cx="0" cy="0"/>
+        </a:xfrm>
+      </p:grpSpPr>
+      <p:grpSp>
+        <p:nvGrpSpPr>
+          <p:cNvPr id="8" name="グループ化 7">
+            <a:extLst>
+              <a:ext uri="{FF2B5EF4-FFF2-40B4-BE49-F238E27FC236}">
+                <a16:creationId xmlns:a16="http://schemas.microsoft.com/office/drawing/2014/main" id="{9F8B99FB-B515-870E-030D-3F8F0102B531}"/>
+              </a:ext>
+            </a:extLst>
+          </p:cNvPr>
+          <p:cNvGrpSpPr/>
+          <p:nvPr/>
+        </p:nvGrpSpPr>
+        <p:grpSpPr>
+          <a:xfrm>
+            <a:off x="296331" y="313265"/>
+            <a:ext cx="508003" cy="338667"/>
+            <a:chOff x="338664" y="423333"/>
+            <a:chExt cx="491069" cy="313266"/>
+          </a:xfrm>
+        </p:grpSpPr>
+        <p:sp>
+          <p:nvSpPr>
+            <p:cNvPr id="4" name="正方形/長方形 3">
+              <a:extLst>
+                <a:ext uri="{FF2B5EF4-FFF2-40B4-BE49-F238E27FC236}">
+                  <a16:creationId xmlns:a16="http://schemas.microsoft.com/office/drawing/2014/main" id="{E83EBFD8-894F-4319-7459-4073C3566E89}"/>
+                </a:ext>
+              </a:extLst>
+            </p:cNvPr>
+            <p:cNvSpPr/>
+            <p:nvPr/>
+          </p:nvSpPr>
+          <p:spPr>
+            <a:xfrm>
+              <a:off x="338665" y="423333"/>
+              <a:ext cx="491068" cy="45156"/>
+            </a:xfrm>
+            <a:prstGeom prst="rect">
+              <a:avLst/>
+            </a:prstGeom>
+            <a:solidFill>
+              <a:schemeClr val="tx1"/>
+            </a:solidFill>
+            <a:ln>
+              <a:solidFill>
+                <a:schemeClr val="tx1"/>
+              </a:solidFill>
+            </a:ln>
+          </p:spPr>
+          <p:style>
+            <a:lnRef idx="2">
+              <a:schemeClr val="accent1">
+                <a:shade val="15000"/>
+              </a:schemeClr>
+            </a:lnRef>
+            <a:fillRef idx="1">
+              <a:schemeClr val="accent1"/>
+            </a:fillRef>
+            <a:effectRef idx="0">
+              <a:schemeClr val="accent1"/>
+            </a:effectRef>
+            <a:fontRef idx="minor">
+              <a:schemeClr val="lt1"/>
+            </a:fontRef>
+          </p:style>
+          <p:txBody>
+            <a:bodyPr rtlCol="0" anchor="ctr"/>
+            <a:lstStyle/>
+            <a:p>
+              <a:pPr algn="ctr"/>
+              <a:endParaRPr lang="ja-JP" altLang="en-US"/>
+            </a:p>
+          </p:txBody>
+        </p:sp>
+        <p:sp>
+          <p:nvSpPr>
+            <p:cNvPr id="5" name="正方形/長方形 4">
+              <a:extLst>
+                <a:ext uri="{FF2B5EF4-FFF2-40B4-BE49-F238E27FC236}">
+                  <a16:creationId xmlns:a16="http://schemas.microsoft.com/office/drawing/2014/main" id="{91538A29-08DB-8503-F13F-3AC04E5CECD2}"/>
+                </a:ext>
+              </a:extLst>
+            </p:cNvPr>
+            <p:cNvSpPr/>
+            <p:nvPr/>
+          </p:nvSpPr>
+          <p:spPr>
+            <a:xfrm>
+              <a:off x="338664" y="557388"/>
+              <a:ext cx="491068" cy="45156"/>
+            </a:xfrm>
+            <a:prstGeom prst="rect">
+              <a:avLst/>
+            </a:prstGeom>
+            <a:solidFill>
+              <a:schemeClr val="tx1"/>
+            </a:solidFill>
+            <a:ln>
+              <a:solidFill>
+                <a:schemeClr val="tx1"/>
+              </a:solidFill>
+            </a:ln>
+          </p:spPr>
+          <p:style>
+            <a:lnRef idx="2">
+              <a:schemeClr val="accent1">
+                <a:shade val="15000"/>
+              </a:schemeClr>
+            </a:lnRef>
+            <a:fillRef idx="1">
+              <a:schemeClr val="accent1"/>
+            </a:fillRef>
+            <a:effectRef idx="0">
+              <a:schemeClr val="accent1"/>
+            </a:effectRef>
+            <a:fontRef idx="minor">
+              <a:schemeClr val="lt1"/>
+            </a:fontRef>
+          </p:style>
+          <p:txBody>
+            <a:bodyPr rtlCol="0" anchor="ctr"/>
+            <a:lstStyle/>
+            <a:p>
+              <a:pPr algn="ctr"/>
+              <a:endParaRPr lang="ja-JP" altLang="en-US"/>
+            </a:p>
+          </p:txBody>
+        </p:sp>
+        <p:sp>
+          <p:nvSpPr>
+            <p:cNvPr id="6" name="正方形/長方形 5">
+              <a:extLst>
+                <a:ext uri="{FF2B5EF4-FFF2-40B4-BE49-F238E27FC236}">
+                  <a16:creationId xmlns:a16="http://schemas.microsoft.com/office/drawing/2014/main" id="{E38C132E-687C-211C-019B-DB47C37D82E3}"/>
+                </a:ext>
+              </a:extLst>
+            </p:cNvPr>
+            <p:cNvSpPr/>
+            <p:nvPr/>
+          </p:nvSpPr>
+          <p:spPr>
+            <a:xfrm>
+              <a:off x="338664" y="691443"/>
+              <a:ext cx="491068" cy="45156"/>
+            </a:xfrm>
+            <a:prstGeom prst="rect">
+              <a:avLst/>
+            </a:prstGeom>
+            <a:solidFill>
+              <a:schemeClr val="tx1"/>
+            </a:solidFill>
+            <a:ln>
+              <a:solidFill>
+                <a:schemeClr val="tx1"/>
+              </a:solidFill>
+            </a:ln>
+          </p:spPr>
+          <p:style>
+            <a:lnRef idx="2">
+              <a:schemeClr val="accent1">
+                <a:shade val="15000"/>
+              </a:schemeClr>
+            </a:lnRef>
+            <a:fillRef idx="1">
+              <a:schemeClr val="accent1"/>
+            </a:fillRef>
+            <a:effectRef idx="0">
+              <a:schemeClr val="accent1"/>
+            </a:effectRef>
+            <a:fontRef idx="minor">
+              <a:schemeClr val="lt1"/>
+            </a:fontRef>
+          </p:style>
+          <p:txBody>
+            <a:bodyPr rtlCol="0" anchor="ctr"/>
+            <a:lstStyle/>
+            <a:p>
+              <a:pPr algn="ctr"/>
+              <a:endParaRPr lang="ja-JP" altLang="en-US" dirty="0"/>
+            </a:p>
+          </p:txBody>
+        </p:sp>
+      </p:grpSp>
+      <p:cxnSp>
+        <p:nvCxnSpPr>
+          <p:cNvPr id="10" name="直線コネクタ 9">
+            <a:extLst>
+              <a:ext uri="{FF2B5EF4-FFF2-40B4-BE49-F238E27FC236}">
+                <a16:creationId xmlns:a16="http://schemas.microsoft.com/office/drawing/2014/main" id="{BA6361A7-940A-6ADE-91C7-5B607D6D40CA}"/>
+              </a:ext>
+            </a:extLst>
+          </p:cNvPr>
+          <p:cNvCxnSpPr>
+            <a:cxnSpLocks/>
+          </p:cNvCxnSpPr>
+          <p:nvPr/>
+        </p:nvCxnSpPr>
+        <p:spPr>
+          <a:xfrm>
+            <a:off x="1075268" y="0"/>
+            <a:ext cx="0" cy="6858000"/>
+          </a:xfrm>
+          <a:prstGeom prst="line">
+            <a:avLst/>
+          </a:prstGeom>
+          <a:ln>
+            <a:solidFill>
+              <a:schemeClr val="bg2"/>
+            </a:solidFill>
+          </a:ln>
+        </p:spPr>
+        <p:style>
+          <a:lnRef idx="2">
+            <a:schemeClr val="accent1"/>
+          </a:lnRef>
+          <a:fillRef idx="0">
+            <a:schemeClr val="accent1"/>
+          </a:fillRef>
+          <a:effectRef idx="1">
+            <a:schemeClr val="accent1"/>
+          </a:effectRef>
+          <a:fontRef idx="minor">
+            <a:schemeClr val="tx1"/>
+          </a:fontRef>
+        </p:style>
+      </p:cxnSp>
+      <p:sp>
+        <p:nvSpPr>
+          <p:cNvPr id="13" name="テキスト ボックス 12">
+            <a:extLst>
+              <a:ext uri="{FF2B5EF4-FFF2-40B4-BE49-F238E27FC236}">
+                <a16:creationId xmlns:a16="http://schemas.microsoft.com/office/drawing/2014/main" id="{E13E7D87-23C2-41DA-D145-C37157D3B05B}"/>
+              </a:ext>
+            </a:extLst>
+          </p:cNvPr>
+          <p:cNvSpPr txBox="1"/>
+          <p:nvPr/>
+        </p:nvSpPr>
+        <p:spPr>
+          <a:xfrm>
+            <a:off x="1346205" y="905936"/>
+            <a:ext cx="1236128" cy="584775"/>
+          </a:xfrm>
+          <a:prstGeom prst="rect">
+            <a:avLst/>
+          </a:prstGeom>
+          <a:noFill/>
+        </p:spPr>
+        <p:txBody>
+          <a:bodyPr wrap="square" rtlCol="0">
+            <a:spAutoFit/>
+          </a:bodyPr>
+          <a:lstStyle/>
+          <a:p>
+            <a:r>
+              <a:rPr lang="ja-JP" altLang="en-US" sz="3200" b="1" dirty="0">
+                <a:latin typeface="Yu Gothic UI" panose="020B0500000000000000" pitchFamily="50" charset="-128"/>
+                <a:ea typeface="Yu Gothic UI" panose="020B0500000000000000" pitchFamily="50" charset="-128"/>
+              </a:rPr>
+              <a:t>ヘルプ</a:t>
+            </a:r>
+          </a:p>
+        </p:txBody>
+      </p:sp>
+      <p:sp>
+        <p:nvSpPr>
+          <p:cNvPr id="14" name="テキスト ボックス 13">
+            <a:extLst>
+              <a:ext uri="{FF2B5EF4-FFF2-40B4-BE49-F238E27FC236}">
+                <a16:creationId xmlns:a16="http://schemas.microsoft.com/office/drawing/2014/main" id="{089BB63F-3420-7C18-F978-D9FE50ABA625}"/>
+              </a:ext>
+            </a:extLst>
+          </p:cNvPr>
+          <p:cNvSpPr txBox="1"/>
+          <p:nvPr/>
+        </p:nvSpPr>
+        <p:spPr>
+          <a:xfrm>
+            <a:off x="1797503" y="2218268"/>
+            <a:ext cx="1569660" cy="369332"/>
+          </a:xfrm>
+          <a:prstGeom prst="rect">
+            <a:avLst/>
+          </a:prstGeom>
+          <a:noFill/>
+        </p:spPr>
+        <p:txBody>
+          <a:bodyPr wrap="none" rtlCol="0">
+            <a:spAutoFit/>
+          </a:bodyPr>
+          <a:lstStyle/>
+          <a:p>
+            <a:r>
+              <a:rPr lang="ja-JP" altLang="en-US" dirty="0"/>
+              <a:t>ごみの出し方</a:t>
+            </a:r>
+          </a:p>
+        </p:txBody>
+      </p:sp>
+      <p:sp>
+        <p:nvSpPr>
+          <p:cNvPr id="15" name="テキスト ボックス 14">
+            <a:extLst>
+              <a:ext uri="{FF2B5EF4-FFF2-40B4-BE49-F238E27FC236}">
+                <a16:creationId xmlns:a16="http://schemas.microsoft.com/office/drawing/2014/main" id="{227CBB32-8E0D-6829-4E87-8456F3DD0343}"/>
+              </a:ext>
+            </a:extLst>
+          </p:cNvPr>
+          <p:cNvSpPr txBox="1"/>
+          <p:nvPr/>
+        </p:nvSpPr>
+        <p:spPr>
+          <a:xfrm>
+            <a:off x="1803399" y="1702089"/>
+            <a:ext cx="1338828" cy="369332"/>
+          </a:xfrm>
+          <a:prstGeom prst="rect">
+            <a:avLst/>
+          </a:prstGeom>
+          <a:noFill/>
+        </p:spPr>
+        <p:txBody>
+          <a:bodyPr wrap="none" rtlCol="0">
+            <a:spAutoFit/>
+          </a:bodyPr>
+          <a:lstStyle/>
+          <a:p>
+            <a:r>
+              <a:rPr lang="ja-JP" altLang="en-US" dirty="0"/>
+              <a:t>通知の管理</a:t>
+            </a:r>
+          </a:p>
+        </p:txBody>
+      </p:sp>
+      <p:sp>
+        <p:nvSpPr>
+          <p:cNvPr id="16" name="テキスト ボックス 15">
+            <a:extLst>
+              <a:ext uri="{FF2B5EF4-FFF2-40B4-BE49-F238E27FC236}">
+                <a16:creationId xmlns:a16="http://schemas.microsoft.com/office/drawing/2014/main" id="{AB066A91-3BFC-5CA3-CD8E-81897B5EDE88}"/>
+              </a:ext>
+            </a:extLst>
+          </p:cNvPr>
+          <p:cNvSpPr txBox="1"/>
+          <p:nvPr/>
+        </p:nvSpPr>
+        <p:spPr>
+          <a:xfrm>
+            <a:off x="1797503" y="3253596"/>
+            <a:ext cx="1569660" cy="369332"/>
+          </a:xfrm>
+          <a:prstGeom prst="rect">
+            <a:avLst/>
+          </a:prstGeom>
+          <a:noFill/>
+        </p:spPr>
+        <p:txBody>
+          <a:bodyPr wrap="none" rtlCol="0">
+            <a:spAutoFit/>
+          </a:bodyPr>
+          <a:lstStyle/>
+          <a:p>
+            <a:r>
+              <a:rPr lang="ja-JP" altLang="en-US" dirty="0"/>
+              <a:t>お問い合わせ</a:t>
+            </a:r>
+          </a:p>
+        </p:txBody>
+      </p:sp>
+      <p:sp>
+        <p:nvSpPr>
+          <p:cNvPr id="17" name="太陽 16">
+            <a:extLst>
+              <a:ext uri="{FF2B5EF4-FFF2-40B4-BE49-F238E27FC236}">
+                <a16:creationId xmlns:a16="http://schemas.microsoft.com/office/drawing/2014/main" id="{A06DAD51-ABA3-F0E5-1AC9-DC2820B9B713}"/>
+              </a:ext>
+            </a:extLst>
+          </p:cNvPr>
+          <p:cNvSpPr/>
+          <p:nvPr/>
+        </p:nvSpPr>
+        <p:spPr>
+          <a:xfrm>
+            <a:off x="4764080" y="1698267"/>
+            <a:ext cx="315835" cy="315835"/>
+          </a:xfrm>
+          <a:prstGeom prst="sun">
+            <a:avLst>
+              <a:gd name="adj" fmla="val 22587"/>
+            </a:avLst>
+          </a:prstGeom>
+          <a:solidFill>
+            <a:schemeClr val="accent2"/>
+          </a:solidFill>
+          <a:ln w="3175">
+            <a:solidFill>
+              <a:schemeClr val="accent1">
+                <a:lumMod val="50000"/>
+              </a:schemeClr>
+            </a:solidFill>
+          </a:ln>
+        </p:spPr>
+        <p:style>
+          <a:lnRef idx="2">
+            <a:schemeClr val="accent1">
+              <a:shade val="15000"/>
+            </a:schemeClr>
+          </a:lnRef>
+          <a:fillRef idx="1">
+            <a:schemeClr val="accent1"/>
+          </a:fillRef>
+          <a:effectRef idx="0">
+            <a:schemeClr val="accent1"/>
+          </a:effectRef>
+          <a:fontRef idx="minor">
+            <a:schemeClr val="lt1"/>
+          </a:fontRef>
+        </p:style>
+        <p:txBody>
+          <a:bodyPr rtlCol="0" anchor="ctr"/>
+          <a:lstStyle/>
+          <a:p>
+            <a:pPr algn="ctr"/>
+            <a:endParaRPr lang="ja-JP" altLang="en-US"/>
+          </a:p>
+        </p:txBody>
+      </p:sp>
+      <p:sp>
+        <p:nvSpPr>
+          <p:cNvPr id="18" name="正方形/長方形 17">
+            <a:extLst>
+              <a:ext uri="{FF2B5EF4-FFF2-40B4-BE49-F238E27FC236}">
+                <a16:creationId xmlns:a16="http://schemas.microsoft.com/office/drawing/2014/main" id="{80F5F8FA-9A47-23F8-DCFF-5DEEBCA2CF91}"/>
+              </a:ext>
+            </a:extLst>
+          </p:cNvPr>
+          <p:cNvSpPr/>
+          <p:nvPr/>
+        </p:nvSpPr>
+        <p:spPr>
+          <a:xfrm>
+            <a:off x="5121497" y="1702089"/>
+            <a:ext cx="1069754" cy="315835"/>
+          </a:xfrm>
+          <a:prstGeom prst="rect">
+            <a:avLst/>
+          </a:prstGeom>
+          <a:solidFill>
+            <a:schemeClr val="bg1"/>
+          </a:solidFill>
+          <a:ln>
+            <a:solidFill>
+              <a:schemeClr val="bg2">
+                <a:lumMod val="90000"/>
+              </a:schemeClr>
+            </a:solidFill>
+          </a:ln>
+        </p:spPr>
+        <p:style>
+          <a:lnRef idx="2">
+            <a:schemeClr val="accent1">
+              <a:shade val="15000"/>
+            </a:schemeClr>
+          </a:lnRef>
+          <a:fillRef idx="1">
+            <a:schemeClr val="accent1"/>
+          </a:fillRef>
+          <a:effectRef idx="0">
+            <a:schemeClr val="accent1"/>
+          </a:effectRef>
+          <a:fontRef idx="minor">
+            <a:schemeClr val="lt1"/>
+          </a:fontRef>
+        </p:style>
+        <p:txBody>
+          <a:bodyPr rtlCol="0" anchor="ctr"/>
+          <a:lstStyle/>
+          <a:p>
+            <a:r>
+              <a:rPr lang="en-US" altLang="ja-JP" dirty="0">
+                <a:solidFill>
+                  <a:schemeClr val="tx1"/>
+                </a:solidFill>
+              </a:rPr>
+              <a:t>6:00</a:t>
+            </a:r>
+            <a:endParaRPr lang="ja-JP" altLang="en-US" dirty="0">
+              <a:solidFill>
+                <a:schemeClr val="tx1"/>
+              </a:solidFill>
+            </a:endParaRPr>
+          </a:p>
+        </p:txBody>
+      </p:sp>
+      <p:sp>
+        <p:nvSpPr>
+          <p:cNvPr id="20" name="四角形: 角を丸くする 19">
+            <a:extLst>
+              <a:ext uri="{FF2B5EF4-FFF2-40B4-BE49-F238E27FC236}">
+                <a16:creationId xmlns:a16="http://schemas.microsoft.com/office/drawing/2014/main" id="{0E47DDCB-6133-2DAA-8A69-2EEB2FE8BED6}"/>
+              </a:ext>
+            </a:extLst>
+          </p:cNvPr>
+          <p:cNvSpPr/>
+          <p:nvPr/>
+        </p:nvSpPr>
+        <p:spPr>
+          <a:xfrm>
+            <a:off x="5893874" y="1728836"/>
+            <a:ext cx="262336" cy="262336"/>
+          </a:xfrm>
+          <a:prstGeom prst="roundRect">
+            <a:avLst/>
+          </a:prstGeom>
+          <a:solidFill>
+            <a:schemeClr val="bg2"/>
+          </a:solidFill>
+          <a:ln>
+            <a:solidFill>
+              <a:schemeClr val="bg2">
+                <a:lumMod val="90000"/>
+              </a:schemeClr>
+            </a:solidFill>
+          </a:ln>
+        </p:spPr>
+        <p:style>
+          <a:lnRef idx="2">
+            <a:schemeClr val="accent1">
+              <a:shade val="15000"/>
+            </a:schemeClr>
+          </a:lnRef>
+          <a:fillRef idx="1">
+            <a:schemeClr val="accent1"/>
+          </a:fillRef>
+          <a:effectRef idx="0">
+            <a:schemeClr val="accent1"/>
+          </a:effectRef>
+          <a:fontRef idx="minor">
+            <a:schemeClr val="lt1"/>
+          </a:fontRef>
+        </p:style>
+        <p:txBody>
+          <a:bodyPr rtlCol="0" anchor="ctr"/>
+          <a:lstStyle/>
+          <a:p>
+            <a:pPr algn="ctr"/>
+            <a:endParaRPr lang="ja-JP" altLang="en-US"/>
+          </a:p>
+        </p:txBody>
+      </p:sp>
+      <p:sp>
+        <p:nvSpPr>
+          <p:cNvPr id="21" name="L 字 20">
+            <a:extLst>
+              <a:ext uri="{FF2B5EF4-FFF2-40B4-BE49-F238E27FC236}">
+                <a16:creationId xmlns:a16="http://schemas.microsoft.com/office/drawing/2014/main" id="{1CFBC09C-FD9D-785B-63C1-3AF1BFFA912D}"/>
+              </a:ext>
+            </a:extLst>
+          </p:cNvPr>
+          <p:cNvSpPr/>
+          <p:nvPr/>
+        </p:nvSpPr>
+        <p:spPr>
+          <a:xfrm rot="18900000">
+            <a:off x="5965166" y="1794276"/>
+            <a:ext cx="123825" cy="123825"/>
+          </a:xfrm>
+          <a:prstGeom prst="corner">
+            <a:avLst/>
+          </a:prstGeom>
+          <a:solidFill>
+            <a:schemeClr val="tx1">
+              <a:lumMod val="50000"/>
+              <a:lumOff val="50000"/>
+            </a:schemeClr>
+          </a:solidFill>
+          <a:ln>
+            <a:noFill/>
+          </a:ln>
+        </p:spPr>
+        <p:style>
+          <a:lnRef idx="2">
+            <a:schemeClr val="accent1">
+              <a:shade val="15000"/>
+            </a:schemeClr>
+          </a:lnRef>
+          <a:fillRef idx="1">
+            <a:schemeClr val="accent1"/>
+          </a:fillRef>
+          <a:effectRef idx="0">
+            <a:schemeClr val="accent1"/>
+          </a:effectRef>
+          <a:fontRef idx="minor">
+            <a:schemeClr val="lt1"/>
+          </a:fontRef>
+        </p:style>
+        <p:txBody>
+          <a:bodyPr rtlCol="0" anchor="ctr"/>
+          <a:lstStyle/>
+          <a:p>
+            <a:pPr algn="ctr"/>
+            <a:endParaRPr lang="ja-JP" altLang="en-US"/>
+          </a:p>
+        </p:txBody>
+      </p:sp>
+      <p:sp>
+        <p:nvSpPr>
+          <p:cNvPr id="26" name="月 25">
+            <a:extLst>
+              <a:ext uri="{FF2B5EF4-FFF2-40B4-BE49-F238E27FC236}">
+                <a16:creationId xmlns:a16="http://schemas.microsoft.com/office/drawing/2014/main" id="{4DD4A143-E8D7-5624-F90D-36A1BF8F70C6}"/>
+              </a:ext>
+            </a:extLst>
+          </p:cNvPr>
+          <p:cNvSpPr/>
+          <p:nvPr/>
+        </p:nvSpPr>
+        <p:spPr>
+          <a:xfrm rot="20212093">
+            <a:off x="7191531" y="1730217"/>
+            <a:ext cx="156543" cy="313084"/>
+          </a:xfrm>
+          <a:prstGeom prst="moon">
+            <a:avLst>
+              <a:gd name="adj" fmla="val 87500"/>
+            </a:avLst>
+          </a:prstGeom>
+          <a:solidFill>
+            <a:srgbClr val="FFFF00"/>
+          </a:solidFill>
+          <a:ln w="3175">
+            <a:solidFill>
+              <a:schemeClr val="accent1">
+                <a:lumMod val="50000"/>
+              </a:schemeClr>
+            </a:solidFill>
+          </a:ln>
+        </p:spPr>
+        <p:style>
+          <a:lnRef idx="2">
+            <a:schemeClr val="accent1">
+              <a:shade val="15000"/>
+            </a:schemeClr>
+          </a:lnRef>
+          <a:fillRef idx="1">
+            <a:schemeClr val="accent1"/>
+          </a:fillRef>
+          <a:effectRef idx="0">
+            <a:schemeClr val="accent1"/>
+          </a:effectRef>
+          <a:fontRef idx="minor">
+            <a:schemeClr val="lt1"/>
+          </a:fontRef>
+        </p:style>
+        <p:txBody>
+          <a:bodyPr rtlCol="0" anchor="ctr"/>
+          <a:lstStyle/>
+          <a:p>
+            <a:pPr algn="ctr"/>
+            <a:endParaRPr lang="ja-JP" altLang="en-US"/>
+          </a:p>
+        </p:txBody>
+      </p:sp>
+      <p:sp>
+        <p:nvSpPr>
+          <p:cNvPr id="27" name="テキスト ボックス 26">
+            <a:extLst>
+              <a:ext uri="{FF2B5EF4-FFF2-40B4-BE49-F238E27FC236}">
+                <a16:creationId xmlns:a16="http://schemas.microsoft.com/office/drawing/2014/main" id="{0F13CF5D-974E-B49F-C0B1-2B6C12FDDE23}"/>
+              </a:ext>
+            </a:extLst>
+          </p:cNvPr>
+          <p:cNvSpPr txBox="1"/>
+          <p:nvPr/>
+        </p:nvSpPr>
+        <p:spPr>
+          <a:xfrm>
+            <a:off x="4741953" y="2218268"/>
+            <a:ext cx="3877985" cy="369332"/>
+          </a:xfrm>
+          <a:prstGeom prst="rect">
+            <a:avLst/>
+          </a:prstGeom>
+          <a:noFill/>
+        </p:spPr>
+        <p:txBody>
+          <a:bodyPr wrap="none" rtlCol="0">
+            <a:spAutoFit/>
+          </a:bodyPr>
+          <a:lstStyle/>
+          <a:p>
+            <a:r>
+              <a:rPr lang="ja-JP" altLang="en-US" u="sng" dirty="0"/>
+              <a:t>表示ではごみの出し方</a:t>
+            </a:r>
+            <a:r>
+              <a:rPr lang="en-US" altLang="ja-JP" u="sng" dirty="0"/>
+              <a:t>URL</a:t>
+            </a:r>
+            <a:r>
+              <a:rPr lang="ja-JP" altLang="en-US" u="sng" dirty="0"/>
+              <a:t>を載せる</a:t>
+            </a:r>
+          </a:p>
+        </p:txBody>
+      </p:sp>
+      <p:sp>
+        <p:nvSpPr>
+          <p:cNvPr id="29" name="正方形/長方形 28">
+            <a:extLst>
+              <a:ext uri="{FF2B5EF4-FFF2-40B4-BE49-F238E27FC236}">
+                <a16:creationId xmlns:a16="http://schemas.microsoft.com/office/drawing/2014/main" id="{7BB2103E-5116-8D7C-5E7C-B8EADD12F308}"/>
+              </a:ext>
+            </a:extLst>
+          </p:cNvPr>
+          <p:cNvSpPr/>
+          <p:nvPr/>
+        </p:nvSpPr>
+        <p:spPr>
+          <a:xfrm>
+            <a:off x="5410414" y="3307094"/>
+            <a:ext cx="1491593" cy="315835"/>
+          </a:xfrm>
+          <a:prstGeom prst="rect">
+            <a:avLst/>
+          </a:prstGeom>
+          <a:solidFill>
+            <a:schemeClr val="bg1"/>
+          </a:solidFill>
+          <a:ln>
+            <a:solidFill>
+              <a:schemeClr val="bg2">
+                <a:lumMod val="90000"/>
+              </a:schemeClr>
+            </a:solidFill>
+          </a:ln>
+        </p:spPr>
+        <p:style>
+          <a:lnRef idx="2">
+            <a:schemeClr val="accent1">
+              <a:shade val="15000"/>
+            </a:schemeClr>
+          </a:lnRef>
+          <a:fillRef idx="1">
+            <a:schemeClr val="accent1"/>
+          </a:fillRef>
+          <a:effectRef idx="0">
+            <a:schemeClr val="accent1"/>
+          </a:effectRef>
+          <a:fontRef idx="minor">
+            <a:schemeClr val="lt1"/>
+          </a:fontRef>
+        </p:style>
+        <p:txBody>
+          <a:bodyPr rtlCol="0" anchor="ctr"/>
+          <a:lstStyle/>
+          <a:p>
+            <a:r>
+              <a:rPr lang="ja-JP" altLang="en-US" dirty="0">
+                <a:solidFill>
+                  <a:schemeClr val="bg2">
+                    <a:lumMod val="75000"/>
+                  </a:schemeClr>
+                </a:solidFill>
+              </a:rPr>
+              <a:t>件名</a:t>
+            </a:r>
+          </a:p>
+        </p:txBody>
+      </p:sp>
+      <p:sp>
+        <p:nvSpPr>
+          <p:cNvPr id="30" name="テキスト ボックス 29">
+            <a:extLst>
+              <a:ext uri="{FF2B5EF4-FFF2-40B4-BE49-F238E27FC236}">
+                <a16:creationId xmlns:a16="http://schemas.microsoft.com/office/drawing/2014/main" id="{56CBEF2E-9B6A-8C83-9A8F-40AF4AA5C3C0}"/>
+              </a:ext>
+            </a:extLst>
+          </p:cNvPr>
+          <p:cNvSpPr txBox="1"/>
+          <p:nvPr/>
+        </p:nvSpPr>
+        <p:spPr>
+          <a:xfrm>
+            <a:off x="4764083" y="3280344"/>
+            <a:ext cx="646331" cy="369332"/>
+          </a:xfrm>
+          <a:prstGeom prst="rect">
+            <a:avLst/>
+          </a:prstGeom>
+          <a:noFill/>
+        </p:spPr>
+        <p:txBody>
+          <a:bodyPr wrap="none" rtlCol="0">
+            <a:spAutoFit/>
+          </a:bodyPr>
+          <a:lstStyle/>
+          <a:p>
+            <a:r>
+              <a:rPr lang="ja-JP" altLang="en-US" dirty="0"/>
+              <a:t>件名</a:t>
+            </a:r>
+          </a:p>
+        </p:txBody>
+      </p:sp>
+      <p:sp>
+        <p:nvSpPr>
+          <p:cNvPr id="31" name="テキスト ボックス 30">
+            <a:extLst>
+              <a:ext uri="{FF2B5EF4-FFF2-40B4-BE49-F238E27FC236}">
+                <a16:creationId xmlns:a16="http://schemas.microsoft.com/office/drawing/2014/main" id="{E6A23852-FF58-0191-4255-CC039CD0CB96}"/>
+              </a:ext>
+            </a:extLst>
+          </p:cNvPr>
+          <p:cNvSpPr txBox="1"/>
+          <p:nvPr/>
+        </p:nvSpPr>
+        <p:spPr>
+          <a:xfrm>
+            <a:off x="4764083" y="3774971"/>
+            <a:ext cx="646331" cy="369332"/>
+          </a:xfrm>
+          <a:prstGeom prst="rect">
+            <a:avLst/>
+          </a:prstGeom>
+          <a:noFill/>
+        </p:spPr>
+        <p:txBody>
+          <a:bodyPr wrap="none" rtlCol="0">
+            <a:spAutoFit/>
+          </a:bodyPr>
+          <a:lstStyle/>
+          <a:p>
+            <a:r>
+              <a:rPr lang="ja-JP" altLang="en-US" dirty="0"/>
+              <a:t>内容</a:t>
+            </a:r>
+          </a:p>
+        </p:txBody>
+      </p:sp>
+      <p:sp>
+        <p:nvSpPr>
+          <p:cNvPr id="32" name="正方形/長方形 31">
+            <a:extLst>
+              <a:ext uri="{FF2B5EF4-FFF2-40B4-BE49-F238E27FC236}">
+                <a16:creationId xmlns:a16="http://schemas.microsoft.com/office/drawing/2014/main" id="{C20087EA-F085-58EA-1549-0EF7BD24BAFE}"/>
+              </a:ext>
+            </a:extLst>
+          </p:cNvPr>
+          <p:cNvSpPr/>
+          <p:nvPr/>
+        </p:nvSpPr>
+        <p:spPr>
+          <a:xfrm>
+            <a:off x="5410413" y="3801719"/>
+            <a:ext cx="5604724" cy="1808808"/>
+          </a:xfrm>
+          <a:prstGeom prst="rect">
+            <a:avLst/>
+          </a:prstGeom>
+          <a:solidFill>
+            <a:schemeClr val="bg1"/>
+          </a:solidFill>
+          <a:ln>
+            <a:solidFill>
+              <a:schemeClr val="bg2">
+                <a:lumMod val="90000"/>
+              </a:schemeClr>
+            </a:solidFill>
+          </a:ln>
+        </p:spPr>
+        <p:style>
+          <a:lnRef idx="2">
+            <a:schemeClr val="accent1">
+              <a:shade val="15000"/>
+            </a:schemeClr>
+          </a:lnRef>
+          <a:fillRef idx="1">
+            <a:schemeClr val="accent1"/>
+          </a:fillRef>
+          <a:effectRef idx="0">
+            <a:schemeClr val="accent1"/>
+          </a:effectRef>
+          <a:fontRef idx="minor">
+            <a:schemeClr val="lt1"/>
+          </a:fontRef>
+        </p:style>
+        <p:txBody>
+          <a:bodyPr rtlCol="0" anchor="ctr"/>
+          <a:lstStyle/>
+          <a:p>
+            <a:r>
+              <a:rPr lang="ja-JP" altLang="en-US" dirty="0">
+                <a:solidFill>
+                  <a:schemeClr val="bg2">
+                    <a:lumMod val="75000"/>
+                  </a:schemeClr>
+                </a:solidFill>
+              </a:rPr>
+              <a:t>お問い合わせ内容</a:t>
+            </a:r>
+            <a:endParaRPr lang="en-US" altLang="ja-JP" dirty="0">
+              <a:solidFill>
+                <a:schemeClr val="bg2">
+                  <a:lumMod val="75000"/>
+                </a:schemeClr>
+              </a:solidFill>
+            </a:endParaRPr>
+          </a:p>
+          <a:p>
+            <a:endParaRPr lang="en-US" altLang="ja-JP" dirty="0">
+              <a:solidFill>
+                <a:schemeClr val="bg2">
+                  <a:lumMod val="75000"/>
+                </a:schemeClr>
+              </a:solidFill>
+            </a:endParaRPr>
+          </a:p>
+          <a:p>
+            <a:endParaRPr lang="en-US" altLang="ja-JP" dirty="0">
+              <a:solidFill>
+                <a:schemeClr val="bg2">
+                  <a:lumMod val="75000"/>
+                </a:schemeClr>
+              </a:solidFill>
+            </a:endParaRPr>
+          </a:p>
+          <a:p>
+            <a:endParaRPr lang="en-US" altLang="ja-JP" dirty="0">
+              <a:solidFill>
+                <a:schemeClr val="bg2">
+                  <a:lumMod val="75000"/>
+                </a:schemeClr>
+              </a:solidFill>
+            </a:endParaRPr>
+          </a:p>
+          <a:p>
+            <a:endParaRPr lang="en-US" altLang="ja-JP" dirty="0">
+              <a:solidFill>
+                <a:schemeClr val="bg2">
+                  <a:lumMod val="75000"/>
+                </a:schemeClr>
+              </a:solidFill>
+            </a:endParaRPr>
+          </a:p>
+          <a:p>
+            <a:endParaRPr lang="ja-JP" altLang="en-US" dirty="0">
+              <a:solidFill>
+                <a:schemeClr val="bg2">
+                  <a:lumMod val="75000"/>
+                </a:schemeClr>
+              </a:solidFill>
+            </a:endParaRPr>
+          </a:p>
+        </p:txBody>
+      </p:sp>
+      <p:sp>
+        <p:nvSpPr>
+          <p:cNvPr id="33" name="正方形/長方形 32">
+            <a:extLst>
+              <a:ext uri="{FF2B5EF4-FFF2-40B4-BE49-F238E27FC236}">
+                <a16:creationId xmlns:a16="http://schemas.microsoft.com/office/drawing/2014/main" id="{AAF4C85A-367D-39FA-CE5D-328C1250134B}"/>
+              </a:ext>
+            </a:extLst>
+          </p:cNvPr>
+          <p:cNvSpPr/>
+          <p:nvPr/>
+        </p:nvSpPr>
+        <p:spPr>
+          <a:xfrm>
+            <a:off x="10219269" y="5762571"/>
+            <a:ext cx="795864" cy="315835"/>
+          </a:xfrm>
+          <a:prstGeom prst="rect">
+            <a:avLst/>
+          </a:prstGeom>
+          <a:solidFill>
+            <a:schemeClr val="bg2">
+              <a:lumMod val="90000"/>
+            </a:schemeClr>
+          </a:solidFill>
+          <a:ln>
+            <a:solidFill>
+              <a:schemeClr val="bg2">
+                <a:lumMod val="50000"/>
+              </a:schemeClr>
+            </a:solidFill>
+          </a:ln>
+        </p:spPr>
+        <p:style>
+          <a:lnRef idx="2">
+            <a:schemeClr val="accent1">
+              <a:shade val="15000"/>
+            </a:schemeClr>
+          </a:lnRef>
+          <a:fillRef idx="1">
+            <a:schemeClr val="accent1"/>
+          </a:fillRef>
+          <a:effectRef idx="0">
+            <a:schemeClr val="accent1"/>
+          </a:effectRef>
+          <a:fontRef idx="minor">
+            <a:schemeClr val="lt1"/>
+          </a:fontRef>
+        </p:style>
+        <p:txBody>
+          <a:bodyPr rtlCol="0" anchor="ctr"/>
+          <a:lstStyle/>
+          <a:p>
+            <a:pPr algn="ctr"/>
+            <a:r>
+              <a:rPr lang="ja-JP" altLang="en-US" dirty="0">
+                <a:solidFill>
+                  <a:schemeClr val="bg2">
+                    <a:lumMod val="50000"/>
+                  </a:schemeClr>
+                </a:solidFill>
+              </a:rPr>
+              <a:t>送信</a:t>
+            </a:r>
+          </a:p>
+        </p:txBody>
+      </p:sp>
+      <p:sp>
+        <p:nvSpPr>
+          <p:cNvPr id="34" name="テキスト ボックス 33">
+            <a:extLst>
+              <a:ext uri="{FF2B5EF4-FFF2-40B4-BE49-F238E27FC236}">
+                <a16:creationId xmlns:a16="http://schemas.microsoft.com/office/drawing/2014/main" id="{E18B9C20-3FA0-ED4B-A876-EE75B66057DF}"/>
+              </a:ext>
+            </a:extLst>
+          </p:cNvPr>
+          <p:cNvSpPr txBox="1"/>
+          <p:nvPr/>
+        </p:nvSpPr>
+        <p:spPr>
+          <a:xfrm>
+            <a:off x="5012739" y="226878"/>
+            <a:ext cx="2166523" cy="584775"/>
+          </a:xfrm>
+          <a:prstGeom prst="rect">
+            <a:avLst/>
+          </a:prstGeom>
+          <a:noFill/>
+        </p:spPr>
+        <p:txBody>
+          <a:bodyPr wrap="square" rtlCol="0">
+            <a:spAutoFit/>
+          </a:bodyPr>
+          <a:lstStyle/>
+          <a:p>
+            <a:pPr algn="ctr"/>
+            <a:r>
+              <a:rPr lang="ja-JP" altLang="en-US" sz="3200" dirty="0">
+                <a:latin typeface="Yu Gothic UI" panose="020B0500000000000000" pitchFamily="50" charset="-128"/>
+                <a:ea typeface="Yu Gothic UI" panose="020B0500000000000000" pitchFamily="50" charset="-128"/>
+              </a:rPr>
+              <a:t>ポイポイ</a:t>
+            </a:r>
+          </a:p>
+        </p:txBody>
+      </p:sp>
+      <p:sp>
+        <p:nvSpPr>
+          <p:cNvPr id="36" name="テキスト ボックス 35">
+            <a:extLst>
+              <a:ext uri="{FF2B5EF4-FFF2-40B4-BE49-F238E27FC236}">
+                <a16:creationId xmlns:a16="http://schemas.microsoft.com/office/drawing/2014/main" id="{5D8A210B-E6B3-39F8-6834-094F2D09418F}"/>
+              </a:ext>
+            </a:extLst>
+          </p:cNvPr>
+          <p:cNvSpPr txBox="1"/>
+          <p:nvPr/>
+        </p:nvSpPr>
+        <p:spPr>
+          <a:xfrm>
+            <a:off x="6156210" y="1670146"/>
+            <a:ext cx="596746" cy="369332"/>
+          </a:xfrm>
+          <a:prstGeom prst="rect">
+            <a:avLst/>
+          </a:prstGeom>
+          <a:noFill/>
+        </p:spPr>
+        <p:txBody>
+          <a:bodyPr wrap="square">
+            <a:spAutoFit/>
+          </a:bodyPr>
+          <a:lstStyle/>
+          <a:p>
+            <a:r>
+              <a:rPr lang="en-US" altLang="ja-JP" dirty="0">
+                <a:solidFill>
+                  <a:schemeClr val="tx1"/>
+                </a:solidFill>
+              </a:rPr>
+              <a:t>a.m.</a:t>
+            </a:r>
+            <a:endParaRPr lang="ja-JP" altLang="en-US" dirty="0"/>
+          </a:p>
+        </p:txBody>
+      </p:sp>
+      <p:sp>
+        <p:nvSpPr>
+          <p:cNvPr id="37" name="正方形/長方形 36">
+            <a:extLst>
+              <a:ext uri="{FF2B5EF4-FFF2-40B4-BE49-F238E27FC236}">
+                <a16:creationId xmlns:a16="http://schemas.microsoft.com/office/drawing/2014/main" id="{566304F4-D2D1-F7AB-8BAB-B62262E12EA6}"/>
+              </a:ext>
+            </a:extLst>
+          </p:cNvPr>
+          <p:cNvSpPr/>
+          <p:nvPr/>
+        </p:nvSpPr>
+        <p:spPr>
+          <a:xfrm>
+            <a:off x="7475231" y="1692882"/>
+            <a:ext cx="1069754" cy="315835"/>
+          </a:xfrm>
+          <a:prstGeom prst="rect">
+            <a:avLst/>
+          </a:prstGeom>
+          <a:solidFill>
+            <a:schemeClr val="bg1"/>
+          </a:solidFill>
+          <a:ln>
+            <a:solidFill>
+              <a:schemeClr val="bg2">
+                <a:lumMod val="90000"/>
+              </a:schemeClr>
+            </a:solidFill>
+          </a:ln>
+        </p:spPr>
+        <p:style>
+          <a:lnRef idx="2">
+            <a:schemeClr val="accent1">
+              <a:shade val="15000"/>
+            </a:schemeClr>
+          </a:lnRef>
+          <a:fillRef idx="1">
+            <a:schemeClr val="accent1"/>
+          </a:fillRef>
+          <a:effectRef idx="0">
+            <a:schemeClr val="accent1"/>
+          </a:effectRef>
+          <a:fontRef idx="minor">
+            <a:schemeClr val="lt1"/>
+          </a:fontRef>
+        </p:style>
+        <p:txBody>
+          <a:bodyPr rtlCol="0" anchor="ctr"/>
+          <a:lstStyle/>
+          <a:p>
+            <a:r>
+              <a:rPr lang="en-US" altLang="ja-JP" dirty="0">
+                <a:solidFill>
+                  <a:schemeClr val="tx1"/>
+                </a:solidFill>
+              </a:rPr>
+              <a:t>6:00</a:t>
+            </a:r>
+            <a:endParaRPr lang="ja-JP" altLang="en-US" dirty="0">
+              <a:solidFill>
+                <a:schemeClr val="tx1"/>
+              </a:solidFill>
+            </a:endParaRPr>
+          </a:p>
+        </p:txBody>
+      </p:sp>
+      <p:sp>
+        <p:nvSpPr>
+          <p:cNvPr id="38" name="四角形: 角を丸くする 37">
+            <a:extLst>
+              <a:ext uri="{FF2B5EF4-FFF2-40B4-BE49-F238E27FC236}">
+                <a16:creationId xmlns:a16="http://schemas.microsoft.com/office/drawing/2014/main" id="{C88AA83C-0AA3-C077-085E-0A74C204672F}"/>
+              </a:ext>
+            </a:extLst>
+          </p:cNvPr>
+          <p:cNvSpPr/>
+          <p:nvPr/>
+        </p:nvSpPr>
+        <p:spPr>
+          <a:xfrm>
+            <a:off x="8247608" y="1719629"/>
+            <a:ext cx="262336" cy="262336"/>
+          </a:xfrm>
+          <a:prstGeom prst="roundRect">
+            <a:avLst/>
+          </a:prstGeom>
+          <a:solidFill>
+            <a:schemeClr val="bg2"/>
+          </a:solidFill>
+          <a:ln>
+            <a:solidFill>
+              <a:schemeClr val="bg2">
+                <a:lumMod val="90000"/>
+              </a:schemeClr>
+            </a:solidFill>
+          </a:ln>
+        </p:spPr>
+        <p:style>
+          <a:lnRef idx="2">
+            <a:schemeClr val="accent1">
+              <a:shade val="15000"/>
+            </a:schemeClr>
+          </a:lnRef>
+          <a:fillRef idx="1">
+            <a:schemeClr val="accent1"/>
+          </a:fillRef>
+          <a:effectRef idx="0">
+            <a:schemeClr val="accent1"/>
+          </a:effectRef>
+          <a:fontRef idx="minor">
+            <a:schemeClr val="lt1"/>
+          </a:fontRef>
+        </p:style>
+        <p:txBody>
+          <a:bodyPr rtlCol="0" anchor="ctr"/>
+          <a:lstStyle/>
+          <a:p>
+            <a:pPr algn="ctr"/>
+            <a:endParaRPr lang="ja-JP" altLang="en-US"/>
+          </a:p>
+        </p:txBody>
+      </p:sp>
+      <p:sp>
+        <p:nvSpPr>
+          <p:cNvPr id="39" name="L 字 38">
+            <a:extLst>
+              <a:ext uri="{FF2B5EF4-FFF2-40B4-BE49-F238E27FC236}">
+                <a16:creationId xmlns:a16="http://schemas.microsoft.com/office/drawing/2014/main" id="{0C358EEA-6294-D922-3648-BA4AD7EC704A}"/>
+              </a:ext>
+            </a:extLst>
+          </p:cNvPr>
+          <p:cNvSpPr/>
+          <p:nvPr/>
+        </p:nvSpPr>
+        <p:spPr>
+          <a:xfrm rot="18900000">
+            <a:off x="8318900" y="1785069"/>
+            <a:ext cx="123825" cy="123825"/>
+          </a:xfrm>
+          <a:prstGeom prst="corner">
+            <a:avLst/>
+          </a:prstGeom>
+          <a:solidFill>
+            <a:schemeClr val="tx1">
+              <a:lumMod val="50000"/>
+              <a:lumOff val="50000"/>
+            </a:schemeClr>
+          </a:solidFill>
+          <a:ln>
+            <a:noFill/>
+          </a:ln>
+        </p:spPr>
+        <p:style>
+          <a:lnRef idx="2">
+            <a:schemeClr val="accent1">
+              <a:shade val="15000"/>
+            </a:schemeClr>
+          </a:lnRef>
+          <a:fillRef idx="1">
+            <a:schemeClr val="accent1"/>
+          </a:fillRef>
+          <a:effectRef idx="0">
+            <a:schemeClr val="accent1"/>
+          </a:effectRef>
+          <a:fontRef idx="minor">
+            <a:schemeClr val="lt1"/>
+          </a:fontRef>
+        </p:style>
+        <p:txBody>
+          <a:bodyPr rtlCol="0" anchor="ctr"/>
+          <a:lstStyle/>
+          <a:p>
+            <a:pPr algn="ctr"/>
+            <a:endParaRPr lang="ja-JP" altLang="en-US"/>
+          </a:p>
+        </p:txBody>
+      </p:sp>
+      <p:sp>
+        <p:nvSpPr>
+          <p:cNvPr id="40" name="テキスト ボックス 39">
+            <a:extLst>
+              <a:ext uri="{FF2B5EF4-FFF2-40B4-BE49-F238E27FC236}">
+                <a16:creationId xmlns:a16="http://schemas.microsoft.com/office/drawing/2014/main" id="{8F11192A-C883-D7C5-FFC8-5E064BDB1466}"/>
+              </a:ext>
+            </a:extLst>
+          </p:cNvPr>
+          <p:cNvSpPr txBox="1"/>
+          <p:nvPr/>
+        </p:nvSpPr>
+        <p:spPr>
+          <a:xfrm>
+            <a:off x="8509944" y="1662315"/>
+            <a:ext cx="596746" cy="369332"/>
+          </a:xfrm>
+          <a:prstGeom prst="rect">
+            <a:avLst/>
+          </a:prstGeom>
+          <a:noFill/>
+        </p:spPr>
+        <p:txBody>
+          <a:bodyPr wrap="square">
+            <a:spAutoFit/>
+          </a:bodyPr>
+          <a:lstStyle/>
+          <a:p>
+            <a:r>
+              <a:rPr lang="en-US" altLang="ja-JP" dirty="0">
+                <a:solidFill>
+                  <a:schemeClr val="tx1"/>
+                </a:solidFill>
+              </a:rPr>
+              <a:t>p.m.</a:t>
+            </a:r>
+            <a:endParaRPr lang="ja-JP" altLang="en-US" dirty="0"/>
+          </a:p>
+        </p:txBody>
+      </p:sp>
+      <p:sp>
+        <p:nvSpPr>
+          <p:cNvPr id="41" name="正方形/長方形 40">
+            <a:extLst>
+              <a:ext uri="{FF2B5EF4-FFF2-40B4-BE49-F238E27FC236}">
+                <a16:creationId xmlns:a16="http://schemas.microsoft.com/office/drawing/2014/main" id="{6257EF96-E59B-37AE-34A0-5613E6ACA239}"/>
+              </a:ext>
+            </a:extLst>
+          </p:cNvPr>
+          <p:cNvSpPr/>
+          <p:nvPr/>
+        </p:nvSpPr>
+        <p:spPr>
+          <a:xfrm>
+            <a:off x="10203189" y="1689063"/>
+            <a:ext cx="795864" cy="315835"/>
+          </a:xfrm>
+          <a:prstGeom prst="rect">
+            <a:avLst/>
+          </a:prstGeom>
+          <a:solidFill>
+            <a:schemeClr val="bg2">
+              <a:lumMod val="90000"/>
+            </a:schemeClr>
+          </a:solidFill>
+          <a:ln>
+            <a:solidFill>
+              <a:schemeClr val="bg2">
+                <a:lumMod val="50000"/>
+              </a:schemeClr>
+            </a:solidFill>
+          </a:ln>
+        </p:spPr>
+        <p:style>
+          <a:lnRef idx="2">
+            <a:schemeClr val="accent1">
+              <a:shade val="15000"/>
+            </a:schemeClr>
+          </a:lnRef>
+          <a:fillRef idx="1">
+            <a:schemeClr val="accent1"/>
+          </a:fillRef>
+          <a:effectRef idx="0">
+            <a:schemeClr val="accent1"/>
+          </a:effectRef>
+          <a:fontRef idx="minor">
+            <a:schemeClr val="lt1"/>
+          </a:fontRef>
+        </p:style>
+        <p:txBody>
+          <a:bodyPr rtlCol="0" anchor="ctr"/>
+          <a:lstStyle/>
+          <a:p>
+            <a:pPr algn="ctr"/>
+            <a:r>
+              <a:rPr lang="ja-JP" altLang="en-US" dirty="0">
+                <a:solidFill>
+                  <a:schemeClr val="bg2">
+                    <a:lumMod val="50000"/>
+                  </a:schemeClr>
+                </a:solidFill>
+              </a:rPr>
+              <a:t>保存</a:t>
+            </a:r>
+          </a:p>
+        </p:txBody>
+      </p:sp>
+      <p:sp>
+        <p:nvSpPr>
+          <p:cNvPr id="42" name="テキスト ボックス 41">
+            <a:extLst>
+              <a:ext uri="{FF2B5EF4-FFF2-40B4-BE49-F238E27FC236}">
+                <a16:creationId xmlns:a16="http://schemas.microsoft.com/office/drawing/2014/main" id="{78E9BD14-AF07-77A5-0F1C-986B765C65FA}"/>
+              </a:ext>
+            </a:extLst>
+          </p:cNvPr>
+          <p:cNvSpPr txBox="1"/>
+          <p:nvPr/>
+        </p:nvSpPr>
+        <p:spPr>
+          <a:xfrm>
+            <a:off x="1797503" y="2734447"/>
+            <a:ext cx="2031325" cy="369332"/>
+          </a:xfrm>
+          <a:prstGeom prst="rect">
+            <a:avLst/>
+          </a:prstGeom>
+          <a:noFill/>
+        </p:spPr>
+        <p:txBody>
+          <a:bodyPr wrap="none" rtlCol="0">
+            <a:spAutoFit/>
+          </a:bodyPr>
+          <a:lstStyle/>
+          <a:p>
+            <a:r>
+              <a:rPr lang="ja-JP" altLang="en-US" dirty="0"/>
+              <a:t>ポイントについて</a:t>
+            </a:r>
+          </a:p>
+        </p:txBody>
+      </p:sp>
+      <p:sp>
+        <p:nvSpPr>
+          <p:cNvPr id="43" name="テキスト ボックス 42">
+            <a:extLst>
+              <a:ext uri="{FF2B5EF4-FFF2-40B4-BE49-F238E27FC236}">
+                <a16:creationId xmlns:a16="http://schemas.microsoft.com/office/drawing/2014/main" id="{005EEC13-63A6-0172-C8B8-9E09020C12B6}"/>
+              </a:ext>
+            </a:extLst>
+          </p:cNvPr>
+          <p:cNvSpPr txBox="1"/>
+          <p:nvPr/>
+        </p:nvSpPr>
+        <p:spPr>
+          <a:xfrm>
+            <a:off x="4764080" y="2760031"/>
+            <a:ext cx="4339650" cy="369332"/>
+          </a:xfrm>
+          <a:prstGeom prst="rect">
+            <a:avLst/>
+          </a:prstGeom>
+          <a:noFill/>
+        </p:spPr>
+        <p:txBody>
+          <a:bodyPr wrap="none" rtlCol="0">
+            <a:spAutoFit/>
+          </a:bodyPr>
+          <a:lstStyle/>
+          <a:p>
+            <a:r>
+              <a:rPr lang="ja-JP" altLang="en-US" u="sng" dirty="0"/>
+              <a:t>ポイントについての説明の</a:t>
+            </a:r>
+            <a:r>
+              <a:rPr lang="en-US" altLang="ja-JP" u="sng" dirty="0"/>
+              <a:t>URL</a:t>
+            </a:r>
+            <a:r>
+              <a:rPr lang="ja-JP" altLang="en-US" u="sng" dirty="0"/>
+              <a:t>を載せる</a:t>
+            </a:r>
+          </a:p>
+        </p:txBody>
+      </p:sp>
+    </p:spTree>
+    <p:extLst>
+      <p:ext uri="{BB962C8B-B14F-4D97-AF65-F5344CB8AC3E}">
         <p14:creationId xmlns:p14="http://schemas.microsoft.com/office/powerpoint/2010/main" val="2704529381"/>
       </p:ext>
     </p:extLst>
@@ -5650,7 +7235,7 @@
 </p:sld>
 </file>
 
-<file path=ppt/slides/slide2.xml><?xml version="1.0" encoding="utf-8"?>
+<file path=ppt/slides/slide3.xml><?xml version="1.0" encoding="utf-8"?>
 <p:sld xmlns:a="http://schemas.openxmlformats.org/drawingml/2006/main" xmlns:r="http://schemas.openxmlformats.org/officeDocument/2006/relationships" xmlns:p="http://schemas.openxmlformats.org/presentationml/2006/main">
   <p:cSld>
     <p:spTree>
